--- a/image/skills/#.pptx
+++ b/image/skills/#.pptx
@@ -197,7 +197,7 @@
           <a:p>
             <a:fld id="{B29485DD-D5E4-49A8-9D11-23D7816A16B6}" type="datetimeFigureOut">
               <a:rPr lang="en-US" smtClean="0"/>
-              <a:t>2/28/2021</a:t>
+              <a:t>3/22/2021</a:t>
             </a:fld>
             <a:endParaRPr lang="en-US"/>
           </a:p>
@@ -695,7 +695,7 @@
           <a:p>
             <a:fld id="{E9CDB3E5-B75A-4205-A6DC-95EE00C4E674}" type="datetimeFigureOut">
               <a:rPr lang="en-US" smtClean="0"/>
-              <a:t>2/28/2021</a:t>
+              <a:t>3/22/2021</a:t>
             </a:fld>
             <a:endParaRPr lang="en-US"/>
           </a:p>
@@ -893,7 +893,7 @@
           <a:p>
             <a:fld id="{E9CDB3E5-B75A-4205-A6DC-95EE00C4E674}" type="datetimeFigureOut">
               <a:rPr lang="en-US" smtClean="0"/>
-              <a:t>2/28/2021</a:t>
+              <a:t>3/22/2021</a:t>
             </a:fld>
             <a:endParaRPr lang="en-US"/>
           </a:p>
@@ -1101,7 +1101,7 @@
           <a:p>
             <a:fld id="{E9CDB3E5-B75A-4205-A6DC-95EE00C4E674}" type="datetimeFigureOut">
               <a:rPr lang="en-US" smtClean="0"/>
-              <a:t>2/28/2021</a:t>
+              <a:t>3/22/2021</a:t>
             </a:fld>
             <a:endParaRPr lang="en-US"/>
           </a:p>
@@ -1299,7 +1299,7 @@
           <a:p>
             <a:fld id="{E9CDB3E5-B75A-4205-A6DC-95EE00C4E674}" type="datetimeFigureOut">
               <a:rPr lang="en-US" smtClean="0"/>
-              <a:t>2/28/2021</a:t>
+              <a:t>3/22/2021</a:t>
             </a:fld>
             <a:endParaRPr lang="en-US"/>
           </a:p>
@@ -1574,7 +1574,7 @@
           <a:p>
             <a:fld id="{E9CDB3E5-B75A-4205-A6DC-95EE00C4E674}" type="datetimeFigureOut">
               <a:rPr lang="en-US" smtClean="0"/>
-              <a:t>2/28/2021</a:t>
+              <a:t>3/22/2021</a:t>
             </a:fld>
             <a:endParaRPr lang="en-US"/>
           </a:p>
@@ -1839,7 +1839,7 @@
           <a:p>
             <a:fld id="{E9CDB3E5-B75A-4205-A6DC-95EE00C4E674}" type="datetimeFigureOut">
               <a:rPr lang="en-US" smtClean="0"/>
-              <a:t>2/28/2021</a:t>
+              <a:t>3/22/2021</a:t>
             </a:fld>
             <a:endParaRPr lang="en-US"/>
           </a:p>
@@ -2251,7 +2251,7 @@
           <a:p>
             <a:fld id="{E9CDB3E5-B75A-4205-A6DC-95EE00C4E674}" type="datetimeFigureOut">
               <a:rPr lang="en-US" smtClean="0"/>
-              <a:t>2/28/2021</a:t>
+              <a:t>3/22/2021</a:t>
             </a:fld>
             <a:endParaRPr lang="en-US"/>
           </a:p>
@@ -2392,7 +2392,7 @@
           <a:p>
             <a:fld id="{E9CDB3E5-B75A-4205-A6DC-95EE00C4E674}" type="datetimeFigureOut">
               <a:rPr lang="en-US" smtClean="0"/>
-              <a:t>2/28/2021</a:t>
+              <a:t>3/22/2021</a:t>
             </a:fld>
             <a:endParaRPr lang="en-US"/>
           </a:p>
@@ -2505,7 +2505,7 @@
           <a:p>
             <a:fld id="{E9CDB3E5-B75A-4205-A6DC-95EE00C4E674}" type="datetimeFigureOut">
               <a:rPr lang="en-US" smtClean="0"/>
-              <a:t>2/28/2021</a:t>
+              <a:t>3/22/2021</a:t>
             </a:fld>
             <a:endParaRPr lang="en-US"/>
           </a:p>
@@ -2816,7 +2816,7 @@
           <a:p>
             <a:fld id="{E9CDB3E5-B75A-4205-A6DC-95EE00C4E674}" type="datetimeFigureOut">
               <a:rPr lang="en-US" smtClean="0"/>
-              <a:t>2/28/2021</a:t>
+              <a:t>3/22/2021</a:t>
             </a:fld>
             <a:endParaRPr lang="en-US"/>
           </a:p>
@@ -3104,7 +3104,7 @@
           <a:p>
             <a:fld id="{E9CDB3E5-B75A-4205-A6DC-95EE00C4E674}" type="datetimeFigureOut">
               <a:rPr lang="en-US" smtClean="0"/>
-              <a:t>2/28/2021</a:t>
+              <a:t>3/22/2021</a:t>
             </a:fld>
             <a:endParaRPr lang="en-US"/>
           </a:p>
@@ -3345,7 +3345,7 @@
           <a:p>
             <a:fld id="{E9CDB3E5-B75A-4205-A6DC-95EE00C4E674}" type="datetimeFigureOut">
               <a:rPr lang="en-US" smtClean="0"/>
-              <a:t>2/28/2021</a:t>
+              <a:t>3/22/2021</a:t>
             </a:fld>
             <a:endParaRPr lang="en-US"/>
           </a:p>
@@ -3789,8 +3789,43 @@
         </p:blipFill>
         <p:spPr>
           <a:xfrm>
-            <a:off x="4234375" y="2264897"/>
+            <a:off x="4037428" y="2528667"/>
             <a:ext cx="3699803" cy="2363373"/>
+          </a:xfrm>
+          <a:prstGeom prst="rect">
+            <a:avLst/>
+          </a:prstGeom>
+        </p:spPr>
+      </p:pic>
+      <p:pic>
+        <p:nvPicPr>
+          <p:cNvPr id="4" name="Picture 3">
+            <a:extLst>
+              <a:ext uri="{FF2B5EF4-FFF2-40B4-BE49-F238E27FC236}">
+                <a16:creationId xmlns:a16="http://schemas.microsoft.com/office/drawing/2014/main" id="{F15FA8AE-474F-4613-87E3-9F12C785981B}"/>
+              </a:ext>
+            </a:extLst>
+          </p:cNvPr>
+          <p:cNvPicPr>
+            <a:picLocks noChangeAspect="1"/>
+          </p:cNvPicPr>
+          <p:nvPr/>
+        </p:nvPicPr>
+        <p:blipFill rotWithShape="1">
+          <a:blip r:embed="rId4">
+            <a:extLst>
+              <a:ext uri="{28A0092B-C50C-407E-A947-70E740481C1C}">
+                <a14:useLocalDpi xmlns:a14="http://schemas.microsoft.com/office/drawing/2010/main" val="0"/>
+              </a:ext>
+            </a:extLst>
+          </a:blip>
+          <a:srcRect l="14475" r="15627"/>
+          <a:stretch/>
+        </p:blipFill>
+        <p:spPr>
+          <a:xfrm>
+            <a:off x="5641145" y="1444070"/>
+            <a:ext cx="3699803" cy="3969858"/>
           </a:xfrm>
           <a:prstGeom prst="rect">
             <a:avLst/>
